--- a/Report/シンポジウム/シンポジウムポスター_佐野.pptx
+++ b/Report/シンポジウム/シンポジウムポスター_佐野.pptx
@@ -224,7 +224,7 @@
             <a:fld id="{7C590469-25E2-42EB-B82B-972FE68B85D1}" type="datetimeFigureOut">
               <a:rPr lang="ja-JP" altLang="en-US" smtClean="0"/>
               <a:pPr/>
-              <a:t>2023/1/23</a:t>
+              <a:t>2023/1/24</a:t>
             </a:fld>
             <a:endParaRPr lang="ja-JP" altLang="en-US" dirty="0"/>
           </a:p>
@@ -721,7 +721,7 @@
             <a:fld id="{409B9CA5-81D2-46C0-A35B-AB23A863D5F9}" type="datetimeFigureOut">
               <a:rPr lang="ja-JP" altLang="en-US" smtClean="0"/>
               <a:pPr/>
-              <a:t>2023/1/23</a:t>
+              <a:t>2023/1/24</a:t>
             </a:fld>
             <a:endParaRPr lang="ja-JP" altLang="en-US" dirty="0"/>
           </a:p>
@@ -973,7 +973,7 @@
             <a:fld id="{409B9CA5-81D2-46C0-A35B-AB23A863D5F9}" type="datetimeFigureOut">
               <a:rPr lang="ja-JP" altLang="en-US" smtClean="0"/>
               <a:pPr/>
-              <a:t>2023/1/23</a:t>
+              <a:t>2023/1/24</a:t>
             </a:fld>
             <a:endParaRPr lang="ja-JP" altLang="en-US" dirty="0"/>
           </a:p>
@@ -1235,7 +1235,7 @@
             <a:fld id="{409B9CA5-81D2-46C0-A35B-AB23A863D5F9}" type="datetimeFigureOut">
               <a:rPr lang="ja-JP" altLang="en-US" smtClean="0"/>
               <a:pPr/>
-              <a:t>2023/1/23</a:t>
+              <a:t>2023/1/24</a:t>
             </a:fld>
             <a:endParaRPr lang="ja-JP" altLang="en-US" dirty="0"/>
           </a:p>
@@ -1487,7 +1487,7 @@
             <a:fld id="{409B9CA5-81D2-46C0-A35B-AB23A863D5F9}" type="datetimeFigureOut">
               <a:rPr lang="ja-JP" altLang="en-US" smtClean="0"/>
               <a:pPr/>
-              <a:t>2023/1/23</a:t>
+              <a:t>2023/1/24</a:t>
             </a:fld>
             <a:endParaRPr lang="ja-JP" altLang="en-US" dirty="0"/>
           </a:p>
@@ -1755,7 +1755,7 @@
             <a:fld id="{409B9CA5-81D2-46C0-A35B-AB23A863D5F9}" type="datetimeFigureOut">
               <a:rPr lang="ja-JP" altLang="en-US" smtClean="0"/>
               <a:pPr/>
-              <a:t>2023/1/23</a:t>
+              <a:t>2023/1/24</a:t>
             </a:fld>
             <a:endParaRPr lang="ja-JP" altLang="en-US" dirty="0"/>
           </a:p>
@@ -2150,7 +2150,7 @@
             <a:fld id="{409B9CA5-81D2-46C0-A35B-AB23A863D5F9}" type="datetimeFigureOut">
               <a:rPr lang="ja-JP" altLang="en-US" smtClean="0"/>
               <a:pPr/>
-              <a:t>2023/1/23</a:t>
+              <a:t>2023/1/24</a:t>
             </a:fld>
             <a:endParaRPr lang="ja-JP" altLang="en-US" dirty="0"/>
           </a:p>
@@ -2684,7 +2684,7 @@
             <a:fld id="{409B9CA5-81D2-46C0-A35B-AB23A863D5F9}" type="datetimeFigureOut">
               <a:rPr lang="ja-JP" altLang="en-US" smtClean="0"/>
               <a:pPr/>
-              <a:t>2023/1/23</a:t>
+              <a:t>2023/1/24</a:t>
             </a:fld>
             <a:endParaRPr lang="ja-JP" altLang="en-US" dirty="0"/>
           </a:p>
@@ -2827,7 +2827,7 @@
             <a:fld id="{409B9CA5-81D2-46C0-A35B-AB23A863D5F9}" type="datetimeFigureOut">
               <a:rPr lang="ja-JP" altLang="en-US" smtClean="0"/>
               <a:pPr/>
-              <a:t>2023/1/23</a:t>
+              <a:t>2023/1/24</a:t>
             </a:fld>
             <a:endParaRPr lang="ja-JP" altLang="en-US" dirty="0"/>
           </a:p>
@@ -2942,7 +2942,7 @@
             <a:fld id="{409B9CA5-81D2-46C0-A35B-AB23A863D5F9}" type="datetimeFigureOut">
               <a:rPr lang="ja-JP" altLang="en-US" smtClean="0"/>
               <a:pPr/>
-              <a:t>2023/1/23</a:t>
+              <a:t>2023/1/24</a:t>
             </a:fld>
             <a:endParaRPr lang="ja-JP" altLang="en-US" dirty="0"/>
           </a:p>
@@ -3283,7 +3283,7 @@
             <a:fld id="{409B9CA5-81D2-46C0-A35B-AB23A863D5F9}" type="datetimeFigureOut">
               <a:rPr lang="ja-JP" altLang="en-US" smtClean="0"/>
               <a:pPr/>
-              <a:t>2023/1/23</a:t>
+              <a:t>2023/1/24</a:t>
             </a:fld>
             <a:endParaRPr lang="ja-JP" altLang="en-US" dirty="0"/>
           </a:p>
@@ -3561,7 +3561,7 @@
             <a:fld id="{409B9CA5-81D2-46C0-A35B-AB23A863D5F9}" type="datetimeFigureOut">
               <a:rPr lang="ja-JP" altLang="en-US" smtClean="0"/>
               <a:pPr/>
-              <a:t>2023/1/23</a:t>
+              <a:t>2023/1/24</a:t>
             </a:fld>
             <a:endParaRPr lang="ja-JP" altLang="en-US" dirty="0"/>
           </a:p>
@@ -3819,7 +3819,7 @@
             <a:fld id="{409B9CA5-81D2-46C0-A35B-AB23A863D5F9}" type="datetimeFigureOut">
               <a:rPr lang="ja-JP" altLang="en-US" smtClean="0"/>
               <a:pPr/>
-              <a:t>2023/1/23</a:t>
+              <a:t>2023/1/24</a:t>
             </a:fld>
             <a:endParaRPr lang="ja-JP" altLang="en-US" dirty="0"/>
           </a:p>
@@ -4258,13 +4258,13 @@
         </p:style>
         <p:txBody>
           <a:bodyPr rtlCol="0" anchor="ctr">
-            <a:normAutofit lnSpcReduction="10000"/>
+            <a:normAutofit fontScale="92500"/>
           </a:bodyPr>
           <a:lstStyle/>
           <a:p>
             <a:pPr algn="ctr"/>
             <a:r>
-              <a:rPr kumimoji="1" lang="ja-JP" altLang="en-US" sz="7200" dirty="0">
+              <a:rPr kumimoji="1" lang="en-US" altLang="ja-JP" sz="7000" dirty="0">
                 <a:solidFill>
                   <a:schemeClr val="tx1">
                     <a:lumMod val="75000"/>
@@ -4274,10 +4274,10 @@
                 <a:latin typeface="UD デジタル 教科書体 N-B" panose="02020700000000000000" pitchFamily="17" charset="-128"/>
                 <a:ea typeface="UD デジタル 教科書体 N-B" panose="02020700000000000000" pitchFamily="17" charset="-128"/>
               </a:rPr>
-              <a:t>選手の</a:t>
-            </a:r>
-            <a:r>
-              <a:rPr kumimoji="1" lang="en-US" altLang="ja-JP" sz="7200" dirty="0">
+              <a:t>INF-12 </a:t>
+            </a:r>
+            <a:r>
+              <a:rPr kumimoji="1" lang="ja-JP" altLang="en-US" sz="7000" dirty="0">
                 <a:solidFill>
                   <a:schemeClr val="tx1">
                     <a:lumMod val="75000"/>
@@ -4287,10 +4287,10 @@
                 <a:latin typeface="UD デジタル 教科書体 N-B" panose="02020700000000000000" pitchFamily="17" charset="-128"/>
                 <a:ea typeface="UD デジタル 教科書体 N-B" panose="02020700000000000000" pitchFamily="17" charset="-128"/>
               </a:rPr>
-              <a:t>3</a:t>
-            </a:r>
-            <a:r>
-              <a:rPr kumimoji="1" lang="ja-JP" altLang="en-US" sz="7200" dirty="0">
+              <a:t>選手の</a:t>
+            </a:r>
+            <a:r>
+              <a:rPr kumimoji="1" lang="en-US" altLang="ja-JP" sz="7000" dirty="0">
                 <a:solidFill>
                   <a:schemeClr val="tx1">
                     <a:lumMod val="75000"/>
@@ -4300,9 +4300,22 @@
                 <a:latin typeface="UD デジタル 教科書体 N-B" panose="02020700000000000000" pitchFamily="17" charset="-128"/>
                 <a:ea typeface="UD デジタル 教科書体 N-B" panose="02020700000000000000" pitchFamily="17" charset="-128"/>
               </a:rPr>
+              <a:t>3</a:t>
+            </a:r>
+            <a:r>
+              <a:rPr kumimoji="1" lang="ja-JP" altLang="en-US" sz="7000" dirty="0">
+                <a:solidFill>
+                  <a:schemeClr val="tx1">
+                    <a:lumMod val="75000"/>
+                    <a:lumOff val="25000"/>
+                  </a:schemeClr>
+                </a:solidFill>
+                <a:latin typeface="UD デジタル 教科書体 N-B" panose="02020700000000000000" pitchFamily="17" charset="-128"/>
+                <a:ea typeface="UD デジタル 教科書体 N-B" panose="02020700000000000000" pitchFamily="17" charset="-128"/>
+              </a:rPr>
               <a:t>次元位置を追跡するバレーボール分析支援システム</a:t>
             </a:r>
-            <a:endParaRPr kumimoji="1" lang="en-US" altLang="ja-JP" sz="7200" dirty="0">
+            <a:endParaRPr kumimoji="1" lang="en-US" altLang="ja-JP" sz="7000" dirty="0">
               <a:solidFill>
                 <a:schemeClr val="tx1">
                   <a:lumMod val="75000"/>
@@ -4316,7 +4329,7 @@
           <a:p>
             <a:pPr algn="r"/>
             <a:r>
-              <a:rPr kumimoji="1" lang="ja-JP" altLang="en-US" sz="6500" dirty="0">
+              <a:rPr kumimoji="1" lang="ja-JP" altLang="en-US" sz="5400">
                 <a:solidFill>
                   <a:schemeClr val="tx1">
                     <a:lumMod val="75000"/>
@@ -4326,10 +4339,10 @@
                 <a:latin typeface="UD デジタル 教科書体 N-B" panose="02020700000000000000" pitchFamily="17" charset="-128"/>
                 <a:ea typeface="UD デジタル 教科書体 N-B" panose="02020700000000000000" pitchFamily="17" charset="-128"/>
               </a:rPr>
-              <a:t>佐野 裕馬（</a:t>
-            </a:r>
-            <a:r>
-              <a:rPr lang="ja-JP" altLang="en-US" sz="6500" dirty="0">
+              <a:t>〇佐野</a:t>
+            </a:r>
+            <a:r>
+              <a:rPr kumimoji="1" lang="ja-JP" altLang="en-US" sz="5400" dirty="0">
                 <a:solidFill>
                   <a:schemeClr val="tx1">
                     <a:lumMod val="75000"/>
@@ -4339,10 +4352,23 @@
                 <a:latin typeface="UD デジタル 教科書体 N-B" panose="02020700000000000000" pitchFamily="17" charset="-128"/>
                 <a:ea typeface="UD デジタル 教科書体 N-B" panose="02020700000000000000" pitchFamily="17" charset="-128"/>
               </a:rPr>
-              <a:t>長岡高専電子制御工学科</a:t>
-            </a:r>
-            <a:r>
-              <a:rPr kumimoji="1" lang="ja-JP" altLang="en-US" sz="6500" dirty="0">
+              <a:t>裕馬・市川智之・外山茂浩（</a:t>
+            </a:r>
+            <a:r>
+              <a:rPr lang="ja-JP" altLang="en-US" sz="5400" dirty="0">
+                <a:solidFill>
+                  <a:schemeClr val="tx1">
+                    <a:lumMod val="75000"/>
+                    <a:lumOff val="25000"/>
+                  </a:schemeClr>
+                </a:solidFill>
+                <a:latin typeface="UD デジタル 教科書体 N-B" panose="02020700000000000000" pitchFamily="17" charset="-128"/>
+                <a:ea typeface="UD デジタル 教科書体 N-B" panose="02020700000000000000" pitchFamily="17" charset="-128"/>
+              </a:rPr>
+              <a:t>長岡高専</a:t>
+            </a:r>
+            <a:r>
+              <a:rPr kumimoji="1" lang="ja-JP" altLang="en-US" sz="5400" dirty="0">
                 <a:solidFill>
                   <a:schemeClr val="tx1">
                     <a:lumMod val="75000"/>
@@ -4409,7 +4435,7 @@
           <a:lstStyle/>
           <a:p>
             <a:r>
-              <a:rPr lang="ja-JP" altLang="en-US" sz="6600" dirty="0">
+              <a:rPr lang="ja-JP" altLang="en-US" sz="6000" dirty="0">
                 <a:solidFill>
                   <a:schemeClr val="tx1">
                     <a:lumMod val="75000"/>
@@ -4422,7 +4448,7 @@
               <a:t>研究背景・目的：</a:t>
             </a:r>
             <a:r>
-              <a:rPr lang="ja-JP" altLang="en-US" sz="6600" dirty="0">
+              <a:rPr lang="ja-JP" altLang="en-US" sz="6000" dirty="0">
                 <a:solidFill>
                   <a:schemeClr val="accent1">
                     <a:lumMod val="75000"/>
@@ -4433,7 +4459,7 @@
               </a:rPr>
               <a:t>実用的なバレーボール分析支援システムの普及</a:t>
             </a:r>
-            <a:endParaRPr lang="en-US" altLang="ja-JP" sz="6600" dirty="0">
+            <a:endParaRPr lang="en-US" altLang="ja-JP" sz="6000" dirty="0">
               <a:solidFill>
                 <a:schemeClr val="accent1">
                   <a:lumMod val="75000"/>
@@ -5159,7 +5185,7 @@
           <a:lstStyle/>
           <a:p>
             <a:r>
-              <a:rPr lang="ja-JP" altLang="en-US" sz="6600" dirty="0">
+              <a:rPr lang="ja-JP" altLang="en-US" sz="6000" dirty="0">
                 <a:solidFill>
                   <a:schemeClr val="tx1">
                     <a:lumMod val="75000"/>
@@ -5171,7 +5197,7 @@
               </a:rPr>
               <a:t>研究内容</a:t>
             </a:r>
-            <a:endParaRPr lang="en-US" altLang="ja-JP" sz="5400" dirty="0">
+            <a:endParaRPr lang="en-US" altLang="ja-JP" sz="4800" dirty="0">
               <a:solidFill>
                 <a:schemeClr val="accent1">
                   <a:lumMod val="75000"/>
@@ -5235,7 +5261,7 @@
           <a:lstStyle/>
           <a:p>
             <a:r>
-              <a:rPr lang="ja-JP" altLang="en-US" sz="6600" dirty="0">
+              <a:rPr lang="ja-JP" altLang="en-US" sz="6000" dirty="0">
                 <a:solidFill>
                   <a:schemeClr val="tx1">
                     <a:lumMod val="75000"/>
@@ -5247,7 +5273,7 @@
               </a:rPr>
               <a:t>研究結果</a:t>
             </a:r>
-            <a:endParaRPr lang="en-US" altLang="ja-JP" sz="6600" dirty="0">
+            <a:endParaRPr lang="en-US" altLang="ja-JP" sz="6000" dirty="0">
               <a:solidFill>
                 <a:schemeClr val="tx1">
                   <a:lumMod val="75000"/>
@@ -5343,7 +5369,7 @@
           <a:lstStyle/>
           <a:p>
             <a:r>
-              <a:rPr lang="ja-JP" altLang="en-US" sz="6600" dirty="0">
+              <a:rPr lang="ja-JP" altLang="en-US" sz="6000" dirty="0">
                 <a:solidFill>
                   <a:schemeClr val="tx1">
                     <a:lumMod val="75000"/>
@@ -5355,7 +5381,7 @@
               </a:rPr>
               <a:t>今後の展望</a:t>
             </a:r>
-            <a:endParaRPr lang="en-US" altLang="ja-JP" sz="6600" dirty="0">
+            <a:endParaRPr lang="en-US" altLang="ja-JP" sz="6000" dirty="0">
               <a:solidFill>
                 <a:schemeClr val="tx1">
                   <a:lumMod val="75000"/>
@@ -7941,16 +7967,16 @@
 <file path=customXml/itemProps3.xml><?xml version="1.0" encoding="utf-8"?>
 <ds:datastoreItem xmlns:ds="http://schemas.openxmlformats.org/officeDocument/2006/customXml" ds:itemID="{98676A2F-3173-45D1-83A8-D056D89C5CF4}">
   <ds:schemaRefs>
+    <ds:schemaRef ds:uri="http://purl.org/dc/dcmitype/"/>
+    <ds:schemaRef ds:uri="http://purl.org/dc/terms/"/>
+    <ds:schemaRef ds:uri="http://schemas.microsoft.com/office/2006/documentManagement/types"/>
+    <ds:schemaRef ds:uri="d6899de3-1125-4d4b-b534-4822d3c0297b"/>
+    <ds:schemaRef ds:uri="http://www.w3.org/XML/1998/namespace"/>
+    <ds:schemaRef ds:uri="http://schemas.microsoft.com/office/2006/metadata/properties"/>
     <ds:schemaRef ds:uri="http://purl.org/dc/elements/1.1/"/>
-    <ds:schemaRef ds:uri="http://purl.org/dc/dcmitype/"/>
-    <ds:schemaRef ds:uri="http://schemas.microsoft.com/office/2006/documentManagement/types"/>
-    <ds:schemaRef ds:uri="http://schemas.microsoft.com/office/2006/metadata/properties"/>
-    <ds:schemaRef ds:uri="http://www.w3.org/XML/1998/namespace"/>
-    <ds:schemaRef ds:uri="d6899de3-1125-4d4b-b534-4822d3c0297b"/>
+    <ds:schemaRef ds:uri="http://schemas.openxmlformats.org/package/2006/metadata/core-properties"/>
     <ds:schemaRef ds:uri="http://schemas.microsoft.com/office/infopath/2007/PartnerControls"/>
-    <ds:schemaRef ds:uri="http://schemas.openxmlformats.org/package/2006/metadata/core-properties"/>
     <ds:schemaRef ds:uri="d105cd02-f242-4b57-b36a-2b84b88f6108"/>
-    <ds:schemaRef ds:uri="http://purl.org/dc/terms/"/>
   </ds:schemaRefs>
 </ds:datastoreItem>
 </file>